--- a/MachineLearning/EnsembleMethods/Bagging.pptx
+++ b/MachineLearning/EnsembleMethods/Bagging.pptx
@@ -5,12 +5,13 @@
     <p:sldMasterId id="2147483648" r:id="rId1"/>
   </p:sldMasterIdLst>
   <p:notesMasterIdLst>
-    <p:notesMasterId r:id="rId5"/>
+    <p:notesMasterId r:id="rId6"/>
   </p:notesMasterIdLst>
   <p:sldIdLst>
     <p:sldId id="256" r:id="rId2"/>
-    <p:sldId id="290" r:id="rId3"/>
-    <p:sldId id="269" r:id="rId4"/>
+    <p:sldId id="292" r:id="rId3"/>
+    <p:sldId id="291" r:id="rId4"/>
+    <p:sldId id="269" r:id="rId5"/>
   </p:sldIdLst>
   <p:sldSz cx="9144000" cy="6858000" type="screen4x3"/>
   <p:notesSz cx="6858000" cy="9144000"/>
@@ -3554,15 +3555,23 @@
           <a:lstStyle/>
           <a:p>
             <a:r>
-              <a:rPr lang="en-US" smtClean="0"/>
-              <a:t>Bootstrap aggregating</a:t>
-            </a:r>
-          </a:p>
-          <a:p>
-            <a:r>
               <a:rPr lang="en-US" dirty="0" smtClean="0"/>
-              <a:t>Parallel</a:t>
-            </a:r>
+              <a:t>Bootstrapping</a:t>
+            </a:r>
+          </a:p>
+          <a:p>
+            <a:r>
+              <a:rPr lang="en-US" smtClean="0"/>
+              <a:t>Aggregating</a:t>
+            </a:r>
+            <a:endParaRPr lang="en-US" dirty="0" smtClean="0"/>
+          </a:p>
+          <a:p>
+            <a:r>
+              <a:rPr lang="en-US" dirty="0" smtClean="0"/>
+              <a:t>Parallel execution</a:t>
+            </a:r>
+            <a:endParaRPr lang="en-US" dirty="0" smtClean="0"/>
           </a:p>
           <a:p>
             <a:endParaRPr lang="en-US" dirty="0"/>
@@ -3585,6 +3594,82 @@
 </file>
 
 <file path=ppt/slides/slide3.xml><?xml version="1.0" encoding="utf-8"?>
+<p:sld xmlns:a="http://schemas.openxmlformats.org/drawingml/2006/main" xmlns:r="http://schemas.openxmlformats.org/officeDocument/2006/relationships" xmlns:p="http://schemas.openxmlformats.org/presentationml/2006/main">
+  <p:cSld>
+    <p:spTree>
+      <p:nvGrpSpPr>
+        <p:cNvPr id="1" name=""/>
+        <p:cNvGrpSpPr/>
+        <p:nvPr/>
+      </p:nvGrpSpPr>
+      <p:grpSpPr>
+        <a:xfrm>
+          <a:off x="0" y="0"/>
+          <a:ext cx="0" cy="0"/>
+          <a:chOff x="0" y="0"/>
+          <a:chExt cx="0" cy="0"/>
+        </a:xfrm>
+      </p:grpSpPr>
+      <p:sp>
+        <p:nvSpPr>
+          <p:cNvPr id="2" name="Title 1"/>
+          <p:cNvSpPr>
+            <a:spLocks noGrp="1"/>
+          </p:cNvSpPr>
+          <p:nvPr>
+            <p:ph type="title"/>
+          </p:nvPr>
+        </p:nvSpPr>
+        <p:spPr/>
+        <p:txBody>
+          <a:bodyPr/>
+          <a:lstStyle/>
+          <a:p>
+            <a:r>
+              <a:rPr lang="en-IN" dirty="0" smtClean="0"/>
+              <a:t>Bootstrap </a:t>
+            </a:r>
+            <a:r>
+              <a:rPr lang="en-IN" dirty="0" smtClean="0"/>
+              <a:t>aggregating – Bagging</a:t>
+            </a:r>
+            <a:endParaRPr lang="en-IN" dirty="0"/>
+          </a:p>
+        </p:txBody>
+      </p:sp>
+      <p:pic>
+        <p:nvPicPr>
+          <p:cNvPr id="4" name="Picture 3" descr="Bagging.png"/>
+          <p:cNvPicPr>
+            <a:picLocks noChangeAspect="1"/>
+          </p:cNvPicPr>
+          <p:nvPr/>
+        </p:nvPicPr>
+        <p:blipFill>
+          <a:blip r:embed="rId2"/>
+          <a:stretch>
+            <a:fillRect/>
+          </a:stretch>
+        </p:blipFill>
+        <p:spPr>
+          <a:xfrm>
+            <a:off x="404945" y="1614488"/>
+            <a:ext cx="8358055" cy="4710112"/>
+          </a:xfrm>
+          <a:prstGeom prst="rect">
+            <a:avLst/>
+          </a:prstGeom>
+        </p:spPr>
+      </p:pic>
+    </p:spTree>
+  </p:cSld>
+  <p:clrMapOvr>
+    <a:masterClrMapping/>
+  </p:clrMapOvr>
+</p:sld>
+</file>
+
+<file path=ppt/slides/slide4.xml><?xml version="1.0" encoding="utf-8"?>
 <p:sld xmlns:a="http://schemas.openxmlformats.org/drawingml/2006/main" xmlns:r="http://schemas.openxmlformats.org/officeDocument/2006/relationships" xmlns:p="http://schemas.openxmlformats.org/presentationml/2006/main">
   <p:cSld>
     <p:spTree>

--- a/MachineLearning/EnsembleMethods/Bagging.pptx
+++ b/MachineLearning/EnsembleMethods/Bagging.pptx
@@ -3561,10 +3561,9 @@
           </a:p>
           <a:p>
             <a:r>
-              <a:rPr lang="en-US" smtClean="0"/>
+              <a:rPr lang="en-US" dirty="0" smtClean="0"/>
               <a:t>Aggregating</a:t>
             </a:r>
-            <a:endParaRPr lang="en-US" dirty="0" smtClean="0"/>
           </a:p>
           <a:p>
             <a:r>
@@ -3661,6 +3660,74 @@
           </a:prstGeom>
         </p:spPr>
       </p:pic>
+      <p:sp>
+        <p:nvSpPr>
+          <p:cNvPr id="5" name="Text Box 10"/>
+          <p:cNvSpPr txBox="1">
+            <a:spLocks noChangeArrowheads="1"/>
+          </p:cNvSpPr>
+          <p:nvPr/>
+        </p:nvSpPr>
+        <p:spPr bwMode="auto">
+          <a:xfrm rot="10800000" flipV="1">
+            <a:off x="0" y="6519446"/>
+            <a:ext cx="1828800" cy="338554"/>
+          </a:xfrm>
+          <a:prstGeom prst="rect">
+            <a:avLst/>
+          </a:prstGeom>
+          <a:noFill/>
+          <a:ln w="9525">
+            <a:noFill/>
+            <a:miter lim="800000"/>
+            <a:headEnd/>
+            <a:tailEnd/>
+          </a:ln>
+          <a:effectLst/>
+        </p:spPr>
+        <p:txBody>
+          <a:bodyPr wrap="square">
+            <a:spAutoFit/>
+          </a:bodyPr>
+          <a:lstStyle/>
+          <a:p>
+            <a:pPr>
+              <a:spcBef>
+                <a:spcPct val="50000"/>
+              </a:spcBef>
+            </a:pPr>
+            <a:r>
+              <a:rPr lang="en-US" sz="1600" b="1" dirty="0">
+                <a:solidFill>
+                  <a:srgbClr val="FF0000"/>
+                </a:solidFill>
+              </a:rPr>
+              <a:t>Image </a:t>
+            </a:r>
+            <a:r>
+              <a:rPr lang="en-US" sz="1600" b="1" dirty="0" err="1" smtClean="0">
+                <a:solidFill>
+                  <a:srgbClr val="FF0000"/>
+                </a:solidFill>
+              </a:rPr>
+              <a:t>ack</a:t>
+            </a:r>
+            <a:r>
+              <a:rPr lang="en-US" sz="1600" b="1" dirty="0" smtClean="0">
+                <a:solidFill>
+                  <a:srgbClr val="FF0000"/>
+                </a:solidFill>
+              </a:rPr>
+              <a:t> – Google</a:t>
+            </a:r>
+            <a:endParaRPr lang="en-US" sz="1600" b="1" dirty="0">
+              <a:solidFill>
+                <a:srgbClr val="FF0000"/>
+              </a:solidFill>
+            </a:endParaRPr>
+          </a:p>
+        </p:txBody>
+      </p:sp>
     </p:spTree>
   </p:cSld>
   <p:clrMapOvr>
